--- a/pslides/tabular_data.pptx
+++ b/pslides/tabular_data.pptx
@@ -264,7 +264,7 @@
           <a:p>
             <a:fld id="{7B9169B0-A344-9A43-AAD5-682508993835}" type="datetimeFigureOut">
               <a:rPr lang="fr-FR" smtClean="0"/>
-              <a:t>29/07/2021</a:t>
+              <a:t>25/08/2021</a:t>
             </a:fld>
             <a:endParaRPr lang="fr-FR"/>
           </a:p>
@@ -462,7 +462,7 @@
           <a:p>
             <a:fld id="{7B9169B0-A344-9A43-AAD5-682508993835}" type="datetimeFigureOut">
               <a:rPr lang="fr-FR" smtClean="0"/>
-              <a:t>29/07/2021</a:t>
+              <a:t>25/08/2021</a:t>
             </a:fld>
             <a:endParaRPr lang="fr-FR"/>
           </a:p>
@@ -670,7 +670,7 @@
           <a:p>
             <a:fld id="{7B9169B0-A344-9A43-AAD5-682508993835}" type="datetimeFigureOut">
               <a:rPr lang="fr-FR" smtClean="0"/>
-              <a:t>29/07/2021</a:t>
+              <a:t>25/08/2021</a:t>
             </a:fld>
             <a:endParaRPr lang="fr-FR"/>
           </a:p>
@@ -868,7 +868,7 @@
           <a:p>
             <a:fld id="{7B9169B0-A344-9A43-AAD5-682508993835}" type="datetimeFigureOut">
               <a:rPr lang="fr-FR" smtClean="0"/>
-              <a:t>29/07/2021</a:t>
+              <a:t>25/08/2021</a:t>
             </a:fld>
             <a:endParaRPr lang="fr-FR"/>
           </a:p>
@@ -1143,7 +1143,7 @@
           <a:p>
             <a:fld id="{7B9169B0-A344-9A43-AAD5-682508993835}" type="datetimeFigureOut">
               <a:rPr lang="fr-FR" smtClean="0"/>
-              <a:t>29/07/2021</a:t>
+              <a:t>25/08/2021</a:t>
             </a:fld>
             <a:endParaRPr lang="fr-FR"/>
           </a:p>
@@ -1408,7 +1408,7 @@
           <a:p>
             <a:fld id="{7B9169B0-A344-9A43-AAD5-682508993835}" type="datetimeFigureOut">
               <a:rPr lang="fr-FR" smtClean="0"/>
-              <a:t>29/07/2021</a:t>
+              <a:t>25/08/2021</a:t>
             </a:fld>
             <a:endParaRPr lang="fr-FR"/>
           </a:p>
@@ -1820,7 +1820,7 @@
           <a:p>
             <a:fld id="{7B9169B0-A344-9A43-AAD5-682508993835}" type="datetimeFigureOut">
               <a:rPr lang="fr-FR" smtClean="0"/>
-              <a:t>29/07/2021</a:t>
+              <a:t>25/08/2021</a:t>
             </a:fld>
             <a:endParaRPr lang="fr-FR"/>
           </a:p>
@@ -1961,7 +1961,7 @@
           <a:p>
             <a:fld id="{7B9169B0-A344-9A43-AAD5-682508993835}" type="datetimeFigureOut">
               <a:rPr lang="fr-FR" smtClean="0"/>
-              <a:t>29/07/2021</a:t>
+              <a:t>25/08/2021</a:t>
             </a:fld>
             <a:endParaRPr lang="fr-FR"/>
           </a:p>
@@ -2074,7 +2074,7 @@
           <a:p>
             <a:fld id="{7B9169B0-A344-9A43-AAD5-682508993835}" type="datetimeFigureOut">
               <a:rPr lang="fr-FR" smtClean="0"/>
-              <a:t>29/07/2021</a:t>
+              <a:t>25/08/2021</a:t>
             </a:fld>
             <a:endParaRPr lang="fr-FR"/>
           </a:p>
@@ -2385,7 +2385,7 @@
           <a:p>
             <a:fld id="{7B9169B0-A344-9A43-AAD5-682508993835}" type="datetimeFigureOut">
               <a:rPr lang="fr-FR" smtClean="0"/>
-              <a:t>29/07/2021</a:t>
+              <a:t>25/08/2021</a:t>
             </a:fld>
             <a:endParaRPr lang="fr-FR"/>
           </a:p>
@@ -2673,7 +2673,7 @@
           <a:p>
             <a:fld id="{7B9169B0-A344-9A43-AAD5-682508993835}" type="datetimeFigureOut">
               <a:rPr lang="fr-FR" smtClean="0"/>
-              <a:t>29/07/2021</a:t>
+              <a:t>25/08/2021</a:t>
             </a:fld>
             <a:endParaRPr lang="fr-FR"/>
           </a:p>
@@ -2914,7 +2914,7 @@
           <a:p>
             <a:fld id="{7B9169B0-A344-9A43-AAD5-682508993835}" type="datetimeFigureOut">
               <a:rPr lang="fr-FR" smtClean="0"/>
-              <a:t>29/07/2021</a:t>
+              <a:t>25/08/2021</a:t>
             </a:fld>
             <a:endParaRPr lang="fr-FR"/>
           </a:p>
@@ -7464,7 +7464,7 @@
         </p:nvSpPr>
         <p:spPr>
           <a:xfrm>
-            <a:off x="2495075" y="2848458"/>
+            <a:off x="2701903" y="3120601"/>
             <a:ext cx="1949024" cy="460800"/>
           </a:xfrm>
           <a:prstGeom prst="rect">
@@ -7500,7 +7500,7 @@
         </p:nvSpPr>
         <p:spPr>
           <a:xfrm>
-            <a:off x="4541590" y="2848458"/>
+            <a:off x="4748418" y="3120601"/>
             <a:ext cx="1949024" cy="461665"/>
           </a:xfrm>
           <a:prstGeom prst="rect">
@@ -7536,7 +7536,7 @@
         </p:nvSpPr>
         <p:spPr>
           <a:xfrm>
-            <a:off x="6588105" y="2848458"/>
+            <a:off x="6794933" y="3120601"/>
             <a:ext cx="1949024" cy="461665"/>
           </a:xfrm>
           <a:prstGeom prst="rect">
@@ -7572,7 +7572,7 @@
         </p:nvSpPr>
         <p:spPr>
           <a:xfrm>
-            <a:off x="2543821" y="3310123"/>
+            <a:off x="2750649" y="3582266"/>
             <a:ext cx="1949024" cy="461665"/>
           </a:xfrm>
           <a:prstGeom prst="rect">
@@ -7608,7 +7608,7 @@
         </p:nvSpPr>
         <p:spPr>
           <a:xfrm>
-            <a:off x="4565963" y="3310123"/>
+            <a:off x="4772791" y="3582266"/>
             <a:ext cx="1949024" cy="461665"/>
           </a:xfrm>
           <a:prstGeom prst="rect">
@@ -7644,7 +7644,7 @@
         </p:nvSpPr>
         <p:spPr>
           <a:xfrm>
-            <a:off x="6539359" y="3310123"/>
+            <a:off x="6746187" y="3582266"/>
             <a:ext cx="1949024" cy="461665"/>
           </a:xfrm>
           <a:prstGeom prst="rect">
@@ -7680,7 +7680,7 @@
         </p:nvSpPr>
         <p:spPr>
           <a:xfrm>
-            <a:off x="2543821" y="3771788"/>
+            <a:off x="2750649" y="4043931"/>
             <a:ext cx="1949024" cy="461665"/>
           </a:xfrm>
           <a:prstGeom prst="rect">
@@ -7716,7 +7716,7 @@
         </p:nvSpPr>
         <p:spPr>
           <a:xfrm>
-            <a:off x="4565963" y="3771788"/>
+            <a:off x="4772791" y="4043931"/>
             <a:ext cx="1949024" cy="461665"/>
           </a:xfrm>
           <a:prstGeom prst="rect">
@@ -7752,7 +7752,7 @@
         </p:nvSpPr>
         <p:spPr>
           <a:xfrm>
-            <a:off x="6539359" y="3771788"/>
+            <a:off x="6746187" y="4043931"/>
             <a:ext cx="1949024" cy="461665"/>
           </a:xfrm>
           <a:prstGeom prst="rect">
@@ -7788,7 +7788,7 @@
         </p:nvSpPr>
         <p:spPr>
           <a:xfrm>
-            <a:off x="2543821" y="4233453"/>
+            <a:off x="2750649" y="4505596"/>
             <a:ext cx="1949024" cy="461665"/>
           </a:xfrm>
           <a:prstGeom prst="rect">
@@ -7824,7 +7824,7 @@
         </p:nvSpPr>
         <p:spPr>
           <a:xfrm>
-            <a:off x="4565963" y="4233453"/>
+            <a:off x="4772791" y="4505596"/>
             <a:ext cx="1949024" cy="461665"/>
           </a:xfrm>
           <a:prstGeom prst="rect">
@@ -7860,7 +7860,7 @@
         </p:nvSpPr>
         <p:spPr>
           <a:xfrm>
-            <a:off x="6539359" y="4233453"/>
+            <a:off x="6746187" y="4505596"/>
             <a:ext cx="1949024" cy="461665"/>
           </a:xfrm>
           <a:prstGeom prst="rect">
@@ -7896,7 +7896,7 @@
         </p:nvSpPr>
         <p:spPr>
           <a:xfrm>
-            <a:off x="2495075" y="4695118"/>
+            <a:off x="2701903" y="4967261"/>
             <a:ext cx="2070888" cy="461665"/>
           </a:xfrm>
           <a:prstGeom prst="rect">
@@ -7932,7 +7932,7 @@
         </p:nvSpPr>
         <p:spPr>
           <a:xfrm>
-            <a:off x="4565963" y="4695118"/>
+            <a:off x="4772791" y="4967261"/>
             <a:ext cx="1949024" cy="461665"/>
           </a:xfrm>
           <a:prstGeom prst="rect">
@@ -7968,7 +7968,7 @@
         </p:nvSpPr>
         <p:spPr>
           <a:xfrm>
-            <a:off x="6539359" y="4695118"/>
+            <a:off x="6746187" y="4967261"/>
             <a:ext cx="1949024" cy="461665"/>
           </a:xfrm>
           <a:prstGeom prst="rect">
@@ -8004,7 +8004,7 @@
         </p:nvSpPr>
         <p:spPr>
           <a:xfrm>
-            <a:off x="2543821" y="5156783"/>
+            <a:off x="2750649" y="5428926"/>
             <a:ext cx="1949024" cy="461665"/>
           </a:xfrm>
           <a:prstGeom prst="rect">
@@ -8040,7 +8040,7 @@
         </p:nvSpPr>
         <p:spPr>
           <a:xfrm>
-            <a:off x="4565963" y="5156783"/>
+            <a:off x="4772791" y="5428926"/>
             <a:ext cx="1949024" cy="461665"/>
           </a:xfrm>
           <a:prstGeom prst="rect">
@@ -8076,7 +8076,7 @@
         </p:nvSpPr>
         <p:spPr>
           <a:xfrm>
-            <a:off x="6539359" y="5156783"/>
+            <a:off x="6746187" y="5428926"/>
             <a:ext cx="1949024" cy="461665"/>
           </a:xfrm>
           <a:prstGeom prst="rect">
@@ -8112,7 +8112,7 @@
         </p:nvSpPr>
         <p:spPr>
           <a:xfrm>
-            <a:off x="2519448" y="5618448"/>
+            <a:off x="2726276" y="5890591"/>
             <a:ext cx="1949024" cy="461665"/>
           </a:xfrm>
           <a:prstGeom prst="rect">
@@ -8148,7 +8148,7 @@
         </p:nvSpPr>
         <p:spPr>
           <a:xfrm>
-            <a:off x="4541590" y="5618448"/>
+            <a:off x="4748418" y="5890591"/>
             <a:ext cx="1949024" cy="461665"/>
           </a:xfrm>
           <a:prstGeom prst="rect">
@@ -8184,7 +8184,7 @@
         </p:nvSpPr>
         <p:spPr>
           <a:xfrm>
-            <a:off x="6514986" y="5618448"/>
+            <a:off x="6721814" y="5890591"/>
             <a:ext cx="1949024" cy="461665"/>
           </a:xfrm>
           <a:prstGeom prst="rect">
@@ -8255,8 +8255,8 @@
         </p:nvSpPr>
         <p:spPr>
           <a:xfrm>
-            <a:off x="2004981" y="1861088"/>
-            <a:ext cx="3094620" cy="461665"/>
+            <a:off x="2135614" y="1746166"/>
+            <a:ext cx="3094620" cy="830997"/>
           </a:xfrm>
           <a:prstGeom prst="rect">
             <a:avLst/>
@@ -8284,6 +8284,19 @@
               <a:t>character</a:t>
             </a:r>
           </a:p>
+          <a:p>
+            <a:pPr algn="ctr"/>
+            <a:r>
+              <a:rPr lang="fr-FR" sz="2400" b="1" noProof="1">
+                <a:solidFill>
+                  <a:schemeClr val="accent5">
+                    <a:lumMod val="75000"/>
+                  </a:schemeClr>
+                </a:solidFill>
+              </a:rPr>
+              <a:t>&lt;chr&gt;</a:t>
+            </a:r>
+          </a:p>
         </p:txBody>
       </p:sp>
       <p:sp>
@@ -8300,8 +8313,8 @@
         </p:nvSpPr>
         <p:spPr>
           <a:xfrm>
-            <a:off x="4014937" y="1861088"/>
-            <a:ext cx="3094620" cy="461665"/>
+            <a:off x="4175620" y="1741865"/>
+            <a:ext cx="3094620" cy="830997"/>
           </a:xfrm>
           <a:prstGeom prst="rect">
             <a:avLst/>
@@ -8329,6 +8342,19 @@
               <a:t>numeric</a:t>
             </a:r>
           </a:p>
+          <a:p>
+            <a:pPr algn="ctr"/>
+            <a:r>
+              <a:rPr lang="fr-FR" sz="2400" b="1" noProof="1">
+                <a:solidFill>
+                  <a:schemeClr val="accent5">
+                    <a:lumMod val="75000"/>
+                  </a:schemeClr>
+                </a:solidFill>
+              </a:rPr>
+              <a:t>&lt;dbl&gt;</a:t>
+            </a:r>
+          </a:p>
         </p:txBody>
       </p:sp>
       <p:sp>
@@ -8345,8 +8371,8 @@
         </p:nvSpPr>
         <p:spPr>
           <a:xfrm>
-            <a:off x="5988333" y="1847602"/>
-            <a:ext cx="3094620" cy="461665"/>
+            <a:off x="6145707" y="1736020"/>
+            <a:ext cx="3094620" cy="830997"/>
           </a:xfrm>
           <a:prstGeom prst="rect">
             <a:avLst/>
@@ -8374,6 +8400,19 @@
               <a:t>numeric</a:t>
             </a:r>
           </a:p>
+          <a:p>
+            <a:pPr algn="ctr"/>
+            <a:r>
+              <a:rPr lang="fr-FR" sz="2400" b="1" noProof="1">
+                <a:solidFill>
+                  <a:schemeClr val="accent5">
+                    <a:lumMod val="75000"/>
+                  </a:schemeClr>
+                </a:solidFill>
+              </a:rPr>
+              <a:t>&lt;int&gt;</a:t>
+            </a:r>
+          </a:p>
         </p:txBody>
       </p:sp>
       <p:cxnSp>
@@ -8393,7 +8432,7 @@
         </p:nvCxnSpPr>
         <p:spPr>
           <a:xfrm>
-            <a:off x="3469587" y="2382155"/>
+            <a:off x="3676415" y="2654298"/>
             <a:ext cx="0" cy="466303"/>
           </a:xfrm>
           <a:prstGeom prst="straightConnector1">
@@ -8439,7 +8478,7 @@
         </p:nvCxnSpPr>
         <p:spPr>
           <a:xfrm>
-            <a:off x="5526634" y="2309267"/>
+            <a:off x="5733462" y="2581410"/>
             <a:ext cx="0" cy="466303"/>
           </a:xfrm>
           <a:prstGeom prst="straightConnector1">
@@ -8485,7 +8524,7 @@
         </p:nvCxnSpPr>
         <p:spPr>
           <a:xfrm>
-            <a:off x="7486189" y="2322753"/>
+            <a:off x="7693017" y="2594896"/>
             <a:ext cx="0" cy="466303"/>
           </a:xfrm>
           <a:prstGeom prst="straightConnector1">
